--- a/Slides/errorCasesSlidesv1.pptx
+++ b/Slides/errorCasesSlidesv1.pptx
@@ -298,7 +298,7 @@
             <a:fld id="{8E36636D-D922-432D-A958-524484B5923D}" type="datetimeFigureOut">
               <a:rPr lang="en-US" smtClean="0"/>
               <a:pPr/>
-              <a:t>5/13/2013</a:t>
+              <a:t>5/14/13</a:t>
             </a:fld>
             <a:endParaRPr lang="en-US"/>
           </a:p>
@@ -465,7 +465,7 @@
             <a:fld id="{8E36636D-D922-432D-A958-524484B5923D}" type="datetimeFigureOut">
               <a:rPr lang="en-US" smtClean="0"/>
               <a:pPr/>
-              <a:t>5/13/2013</a:t>
+              <a:t>5/14/13</a:t>
             </a:fld>
             <a:endParaRPr lang="en-US"/>
           </a:p>
@@ -642,7 +642,7 @@
             <a:fld id="{8E36636D-D922-432D-A958-524484B5923D}" type="datetimeFigureOut">
               <a:rPr lang="en-US" smtClean="0"/>
               <a:pPr/>
-              <a:t>5/13/2013</a:t>
+              <a:t>5/14/13</a:t>
             </a:fld>
             <a:endParaRPr lang="en-US"/>
           </a:p>
@@ -809,7 +809,7 @@
             <a:fld id="{8E36636D-D922-432D-A958-524484B5923D}" type="datetimeFigureOut">
               <a:rPr lang="en-US" smtClean="0"/>
               <a:pPr/>
-              <a:t>5/13/2013</a:t>
+              <a:t>5/14/13</a:t>
             </a:fld>
             <a:endParaRPr lang="en-US"/>
           </a:p>
@@ -1050,7 +1050,7 @@
             <a:fld id="{8E36636D-D922-432D-A958-524484B5923D}" type="datetimeFigureOut">
               <a:rPr lang="en-US" smtClean="0"/>
               <a:pPr/>
-              <a:t>5/13/2013</a:t>
+              <a:t>5/14/13</a:t>
             </a:fld>
             <a:endParaRPr lang="en-US"/>
           </a:p>
@@ -1335,7 +1335,7 @@
             <a:fld id="{8E36636D-D922-432D-A958-524484B5923D}" type="datetimeFigureOut">
               <a:rPr lang="en-US" smtClean="0"/>
               <a:pPr/>
-              <a:t>5/13/2013</a:t>
+              <a:t>5/14/13</a:t>
             </a:fld>
             <a:endParaRPr lang="en-US"/>
           </a:p>
@@ -1754,7 +1754,7 @@
             <a:fld id="{8E36636D-D922-432D-A958-524484B5923D}" type="datetimeFigureOut">
               <a:rPr lang="en-US" smtClean="0"/>
               <a:pPr/>
-              <a:t>5/13/2013</a:t>
+              <a:t>5/14/13</a:t>
             </a:fld>
             <a:endParaRPr lang="en-US"/>
           </a:p>
@@ -1869,7 +1869,7 @@
             <a:fld id="{8E36636D-D922-432D-A958-524484B5923D}" type="datetimeFigureOut">
               <a:rPr lang="en-US" smtClean="0"/>
               <a:pPr/>
-              <a:t>5/13/2013</a:t>
+              <a:t>5/14/13</a:t>
             </a:fld>
             <a:endParaRPr lang="en-US"/>
           </a:p>
@@ -1961,7 +1961,7 @@
             <a:fld id="{8E36636D-D922-432D-A958-524484B5923D}" type="datetimeFigureOut">
               <a:rPr lang="en-US" smtClean="0"/>
               <a:pPr/>
-              <a:t>5/13/2013</a:t>
+              <a:t>5/14/13</a:t>
             </a:fld>
             <a:endParaRPr lang="en-US"/>
           </a:p>
@@ -2242,7 +2242,7 @@
             <a:fld id="{8E36636D-D922-432D-A958-524484B5923D}" type="datetimeFigureOut">
               <a:rPr lang="en-US" smtClean="0"/>
               <a:pPr/>
-              <a:t>5/13/2013</a:t>
+              <a:t>5/14/13</a:t>
             </a:fld>
             <a:endParaRPr lang="en-US"/>
           </a:p>
@@ -2503,7 +2503,7 @@
             <a:fld id="{8E36636D-D922-432D-A958-524484B5923D}" type="datetimeFigureOut">
               <a:rPr lang="en-US" smtClean="0"/>
               <a:pPr/>
-              <a:t>5/13/2013</a:t>
+              <a:t>5/14/13</a:t>
             </a:fld>
             <a:endParaRPr lang="en-US"/>
           </a:p>
@@ -2713,7 +2713,7 @@
             <a:fld id="{8E36636D-D922-432D-A958-524484B5923D}" type="datetimeFigureOut">
               <a:rPr lang="en-US" smtClean="0"/>
               <a:pPr/>
-              <a:t>5/13/2013</a:t>
+              <a:t>5/14/13</a:t>
             </a:fld>
             <a:endParaRPr lang="en-US"/>
           </a:p>
@@ -3214,7 +3214,7 @@
   <p:timing>
     <p:tnLst>
       <p:par>
-        <p:cTn id="1" dur="indefinite" restart="never" nodeType="tmRoot"/>
+        <p:cTn xmlns:p14="http://schemas.microsoft.com/office/powerpoint/2010/main" id="1" dur="indefinite" restart="never" nodeType="tmRoot"/>
       </p:par>
     </p:tnLst>
   </p:timing>
@@ -3256,7 +3256,7 @@
             <a:pPr algn="l"/>
             <a:r>
               <a:rPr lang="en-US" dirty="0" smtClean="0"/>
-              <a:t>Price changed</a:t>
+              <a:t>PRICE CHANGED</a:t>
             </a:r>
             <a:endParaRPr lang="en-US" dirty="0"/>
           </a:p>
@@ -3279,11 +3279,7 @@
           <a:p>
             <a:r>
               <a:rPr lang="en-US" dirty="0" smtClean="0"/>
-              <a:t>When added to </a:t>
-            </a:r>
-            <a:r>
-              <a:rPr lang="en-US" dirty="0" err="1" smtClean="0"/>
-              <a:t>Svpply</a:t>
+              <a:t>WHEN ADDED TO SVPPLY</a:t>
             </a:r>
             <a:endParaRPr lang="en-US" dirty="0"/>
           </a:p>
@@ -3316,6 +3312,22 @@
             <a:off x="457200" y="2295637"/>
             <a:ext cx="3519714" cy="3318561"/>
           </a:xfrm>
+          <a:prstGeom prst="roundRect">
+            <a:avLst>
+              <a:gd name="adj" fmla="val 8594"/>
+            </a:avLst>
+          </a:prstGeom>
+          <a:solidFill>
+            <a:srgbClr val="FFFFFF">
+              <a:shade val="85000"/>
+            </a:srgbClr>
+          </a:solidFill>
+          <a:ln>
+            <a:noFill/>
+          </a:ln>
+          <a:effectLst>
+            <a:reflection blurRad="12700" stA="38000" endPos="28000" dist="5000" dir="5400000" sy="-100000" algn="bl" rotWithShape="0"/>
+          </a:effectLst>
         </p:spPr>
       </p:pic>
       <p:sp>
@@ -3335,7 +3347,7 @@
           <a:p>
             <a:r>
               <a:rPr lang="en-US" dirty="0" smtClean="0"/>
-              <a:t>Today at product’s website</a:t>
+              <a:t>TODAY AT PRODUCT’S WEBSITE</a:t>
             </a:r>
             <a:endParaRPr lang="en-US" dirty="0"/>
           </a:p>
@@ -3365,9 +3377,25 @@
         </p:blipFill>
         <p:spPr>
           <a:xfrm>
-            <a:off x="4989512" y="2280448"/>
-            <a:ext cx="3352800" cy="3333750"/>
+            <a:off x="4989513" y="2280448"/>
+            <a:ext cx="2824600" cy="2757010"/>
           </a:xfrm>
+          <a:prstGeom prst="roundRect">
+            <a:avLst>
+              <a:gd name="adj" fmla="val 8594"/>
+            </a:avLst>
+          </a:prstGeom>
+          <a:solidFill>
+            <a:srgbClr val="FFFFFF">
+              <a:shade val="85000"/>
+            </a:srgbClr>
+          </a:solidFill>
+          <a:ln>
+            <a:noFill/>
+          </a:ln>
+          <a:effectLst>
+            <a:reflection blurRad="12700" stA="38000" endPos="28000" dist="5000" dir="5400000" sy="-100000" algn="bl" rotWithShape="0"/>
+          </a:effectLst>
         </p:spPr>
       </p:pic>
       <p:pic>
@@ -3392,12 +3420,25 @@
         </p:blipFill>
         <p:spPr>
           <a:xfrm>
-            <a:off x="5233309" y="5614198"/>
+            <a:off x="4989513" y="4909348"/>
             <a:ext cx="2857500" cy="704850"/>
           </a:xfrm>
-          <a:prstGeom prst="rect">
-            <a:avLst/>
+          <a:prstGeom prst="roundRect">
+            <a:avLst>
+              <a:gd name="adj" fmla="val 8594"/>
+            </a:avLst>
           </a:prstGeom>
+          <a:solidFill>
+            <a:srgbClr val="FFFFFF">
+              <a:shade val="85000"/>
+            </a:srgbClr>
+          </a:solidFill>
+          <a:ln>
+            <a:noFill/>
+          </a:ln>
+          <a:effectLst>
+            <a:reflection blurRad="12700" stA="38000" endPos="28000" dist="5000" dir="5400000" sy="-100000" algn="bl" rotWithShape="0"/>
+          </a:effectLst>
         </p:spPr>
       </p:pic>
     </p:spTree>
@@ -3413,7 +3454,7 @@
   <p:timing>
     <p:tnLst>
       <p:par>
-        <p:cTn id="1" dur="indefinite" restart="never" nodeType="tmRoot"/>
+        <p:cTn xmlns:p14="http://schemas.microsoft.com/office/powerpoint/2010/main" id="1" dur="indefinite" restart="never" nodeType="tmRoot"/>
       </p:par>
     </p:tnLst>
   </p:timing>
@@ -3455,7 +3496,7 @@
             <a:pPr algn="l"/>
             <a:r>
               <a:rPr lang="en-US" dirty="0" smtClean="0"/>
-              <a:t>Priced changed</a:t>
+              <a:t>PRICED CHANGED</a:t>
             </a:r>
             <a:endParaRPr lang="en-US" dirty="0"/>
           </a:p>
@@ -3478,11 +3519,7 @@
           <a:p>
             <a:r>
               <a:rPr lang="en-US" dirty="0" smtClean="0"/>
-              <a:t>When added to </a:t>
-            </a:r>
-            <a:r>
-              <a:rPr lang="en-US" dirty="0" err="1" smtClean="0"/>
-              <a:t>Svpply</a:t>
+              <a:t>WHEN ADDED TO SVPPLY</a:t>
             </a:r>
             <a:endParaRPr lang="en-US" dirty="0"/>
           </a:p>
@@ -3515,6 +3552,22 @@
             <a:off x="5321483" y="2174875"/>
             <a:ext cx="2459549" cy="3951288"/>
           </a:xfrm>
+          <a:prstGeom prst="roundRect">
+            <a:avLst>
+              <a:gd name="adj" fmla="val 8594"/>
+            </a:avLst>
+          </a:prstGeom>
+          <a:solidFill>
+            <a:srgbClr val="FFFFFF">
+              <a:shade val="85000"/>
+            </a:srgbClr>
+          </a:solidFill>
+          <a:ln>
+            <a:noFill/>
+          </a:ln>
+          <a:effectLst>
+            <a:reflection blurRad="12700" stA="38000" endPos="28000" dist="5000" dir="5400000" sy="-100000" algn="bl" rotWithShape="0"/>
+          </a:effectLst>
         </p:spPr>
       </p:pic>
       <p:sp>
@@ -3534,7 +3587,7 @@
           <a:p>
             <a:r>
               <a:rPr lang="en-US" dirty="0" smtClean="0"/>
-              <a:t>Today at product’s website</a:t>
+              <a:t>TODAY AT PRODUCT’S WEBSITE</a:t>
             </a:r>
             <a:endParaRPr lang="en-US" dirty="0"/>
           </a:p>
@@ -3564,9 +3617,25 @@
         </p:blipFill>
         <p:spPr>
           <a:xfrm>
-            <a:off x="4834829" y="5873863"/>
+            <a:off x="4834829" y="5511013"/>
             <a:ext cx="3333750" cy="733425"/>
           </a:xfrm>
+          <a:prstGeom prst="roundRect">
+            <a:avLst>
+              <a:gd name="adj" fmla="val 8594"/>
+            </a:avLst>
+          </a:prstGeom>
+          <a:solidFill>
+            <a:srgbClr val="FFFFFF">
+              <a:shade val="85000"/>
+            </a:srgbClr>
+          </a:solidFill>
+          <a:ln>
+            <a:noFill/>
+          </a:ln>
+          <a:effectLst>
+            <a:reflection blurRad="12700" stA="38000" endPos="28000" dist="5000" dir="5400000" sy="-100000" algn="bl" rotWithShape="0"/>
+          </a:effectLst>
         </p:spPr>
       </p:pic>
       <p:pic>
@@ -3594,9 +3663,22 @@
             <a:off x="579902" y="2230444"/>
             <a:ext cx="2690699" cy="4013994"/>
           </a:xfrm>
-          <a:prstGeom prst="rect">
-            <a:avLst/>
+          <a:prstGeom prst="roundRect">
+            <a:avLst>
+              <a:gd name="adj" fmla="val 8594"/>
+            </a:avLst>
           </a:prstGeom>
+          <a:solidFill>
+            <a:srgbClr val="FFFFFF">
+              <a:shade val="85000"/>
+            </a:srgbClr>
+          </a:solidFill>
+          <a:ln>
+            <a:noFill/>
+          </a:ln>
+          <a:effectLst>
+            <a:reflection blurRad="12700" stA="38000" endPos="28000" dist="5000" dir="5400000" sy="-100000" algn="bl" rotWithShape="0"/>
+          </a:effectLst>
         </p:spPr>
       </p:pic>
     </p:spTree>
@@ -3647,7 +3729,7 @@
             <a:pPr algn="l"/>
             <a:r>
               <a:rPr lang="en-US" dirty="0" smtClean="0"/>
-              <a:t>Product not available</a:t>
+              <a:t>PRODUCT NOT AVAILABLE</a:t>
             </a:r>
             <a:endParaRPr lang="en-US" dirty="0"/>
           </a:p>
@@ -3670,11 +3752,7 @@
           <a:p>
             <a:r>
               <a:rPr lang="en-US" dirty="0" smtClean="0"/>
-              <a:t>When added to </a:t>
-            </a:r>
-            <a:r>
-              <a:rPr lang="en-US" dirty="0" err="1" smtClean="0"/>
-              <a:t>Svpply</a:t>
+              <a:t>WHEN ADDED TO SVPPLY</a:t>
             </a:r>
             <a:endParaRPr lang="en-US" dirty="0"/>
           </a:p>
@@ -3704,9 +3782,25 @@
         </p:blipFill>
         <p:spPr>
           <a:xfrm>
-            <a:off x="457200" y="2494953"/>
-            <a:ext cx="4040188" cy="3311131"/>
+            <a:off x="457200" y="2494954"/>
+            <a:ext cx="3718883" cy="3047806"/>
           </a:xfrm>
+          <a:prstGeom prst="roundRect">
+            <a:avLst>
+              <a:gd name="adj" fmla="val 8594"/>
+            </a:avLst>
+          </a:prstGeom>
+          <a:solidFill>
+            <a:srgbClr val="FFFFFF">
+              <a:shade val="85000"/>
+            </a:srgbClr>
+          </a:solidFill>
+          <a:ln>
+            <a:noFill/>
+          </a:ln>
+          <a:effectLst>
+            <a:reflection blurRad="12700" stA="38000" endPos="28000" dist="5000" dir="5400000" sy="-100000" algn="bl" rotWithShape="0"/>
+          </a:effectLst>
         </p:spPr>
       </p:pic>
       <p:sp>
@@ -3726,7 +3820,7 @@
           <a:p>
             <a:r>
               <a:rPr lang="en-US" dirty="0" smtClean="0"/>
-              <a:t>Today at product’s website</a:t>
+              <a:t>TODAY AT PRODUCT’S WEBSITE</a:t>
             </a:r>
             <a:endParaRPr lang="en-US" dirty="0"/>
           </a:p>
@@ -3756,9 +3850,25 @@
         </p:blipFill>
         <p:spPr>
           <a:xfrm>
-            <a:off x="4645025" y="2758279"/>
-            <a:ext cx="4041775" cy="2784480"/>
+            <a:off x="4497388" y="2483436"/>
+            <a:ext cx="4440721" cy="3059324"/>
           </a:xfrm>
+          <a:prstGeom prst="roundRect">
+            <a:avLst>
+              <a:gd name="adj" fmla="val 8594"/>
+            </a:avLst>
+          </a:prstGeom>
+          <a:solidFill>
+            <a:srgbClr val="FFFFFF">
+              <a:shade val="85000"/>
+            </a:srgbClr>
+          </a:solidFill>
+          <a:ln>
+            <a:noFill/>
+          </a:ln>
+          <a:effectLst>
+            <a:reflection blurRad="12700" stA="38000" endPos="28000" dist="5000" dir="5400000" sy="-100000" algn="bl" rotWithShape="0"/>
+          </a:effectLst>
         </p:spPr>
       </p:pic>
     </p:spTree>
@@ -3771,6 +3881,13 @@
   <p:clrMapOvr>
     <a:masterClrMapping/>
   </p:clrMapOvr>
+  <p:timing>
+    <p:tnLst>
+      <p:par>
+        <p:cTn xmlns:p14="http://schemas.microsoft.com/office/powerpoint/2010/main" id="1" dur="indefinite" restart="never" nodeType="tmRoot"/>
+      </p:par>
+    </p:tnLst>
+  </p:timing>
 </p:sld>
 </file>
 
@@ -3819,25 +3936,6 @@
       </p:sp>
       <p:sp>
         <p:nvSpPr>
-          <p:cNvPr id="3" name="Text Placeholder 2"/>
-          <p:cNvSpPr>
-            <a:spLocks noGrp="1"/>
-          </p:cNvSpPr>
-          <p:nvPr>
-            <p:ph type="body" idx="1"/>
-          </p:nvPr>
-        </p:nvSpPr>
-        <p:spPr/>
-        <p:txBody>
-          <a:bodyPr/>
-          <a:lstStyle/>
-          <a:p>
-            <a:endParaRPr lang="en-US"/>
-          </a:p>
-        </p:txBody>
-      </p:sp>
-      <p:sp>
-        <p:nvSpPr>
           <p:cNvPr id="4" name="Content Placeholder 3"/>
           <p:cNvSpPr>
             <a:spLocks noGrp="1"/>
@@ -3859,25 +3957,6 @@
               <a:t>The previous solution would determine $50 as the price for either of the products because of the bigger font. By lowering this weighting for product list pages we increased accuracy. </a:t>
             </a:r>
             <a:endParaRPr lang="en-US" dirty="0"/>
-          </a:p>
-        </p:txBody>
-      </p:sp>
-      <p:sp>
-        <p:nvSpPr>
-          <p:cNvPr id="5" name="Text Placeholder 4"/>
-          <p:cNvSpPr>
-            <a:spLocks noGrp="1"/>
-          </p:cNvSpPr>
-          <p:nvPr>
-            <p:ph type="body" sz="quarter" idx="3"/>
-          </p:nvPr>
-        </p:nvSpPr>
-        <p:spPr/>
-        <p:txBody>
-          <a:bodyPr/>
-          <a:lstStyle/>
-          <a:p>
-            <a:endParaRPr lang="en-US"/>
           </a:p>
         </p:txBody>
       </p:sp>
@@ -3905,9 +3984,25 @@
         </p:blipFill>
         <p:spPr>
           <a:xfrm>
-            <a:off x="4956082" y="2174875"/>
-            <a:ext cx="3390632" cy="3951288"/>
+            <a:off x="4803035" y="1366956"/>
+            <a:ext cx="3883765" cy="4525963"/>
           </a:xfrm>
+          <a:prstGeom prst="roundRect">
+            <a:avLst>
+              <a:gd name="adj" fmla="val 8594"/>
+            </a:avLst>
+          </a:prstGeom>
+          <a:solidFill>
+            <a:srgbClr val="FFFFFF">
+              <a:shade val="85000"/>
+            </a:srgbClr>
+          </a:solidFill>
+          <a:ln>
+            <a:noFill/>
+          </a:ln>
+          <a:effectLst>
+            <a:reflection blurRad="12700" stA="38000" endPos="28000" dist="5000" dir="5400000" sy="-100000" algn="bl" rotWithShape="0"/>
+          </a:effectLst>
         </p:spPr>
       </p:pic>
     </p:spTree>
@@ -3920,6 +4015,13 @@
   <p:clrMapOvr>
     <a:masterClrMapping/>
   </p:clrMapOvr>
+  <p:timing>
+    <p:tnLst>
+      <p:par>
+        <p:cTn xmlns:p14="http://schemas.microsoft.com/office/powerpoint/2010/main" id="1" dur="indefinite" restart="never" nodeType="tmRoot"/>
+      </p:par>
+    </p:tnLst>
+  </p:timing>
 </p:sld>
 </file>
 
@@ -3968,25 +4070,6 @@
       </p:sp>
       <p:sp>
         <p:nvSpPr>
-          <p:cNvPr id="3" name="Text Placeholder 2"/>
-          <p:cNvSpPr>
-            <a:spLocks noGrp="1"/>
-          </p:cNvSpPr>
-          <p:nvPr>
-            <p:ph type="body" idx="1"/>
-          </p:nvPr>
-        </p:nvSpPr>
-        <p:spPr/>
-        <p:txBody>
-          <a:bodyPr/>
-          <a:lstStyle/>
-          <a:p>
-            <a:endParaRPr lang="en-US"/>
-          </a:p>
-        </p:txBody>
-      </p:sp>
-      <p:sp>
-        <p:nvSpPr>
           <p:cNvPr id="4" name="Content Placeholder 3"/>
           <p:cNvSpPr>
             <a:spLocks noGrp="1"/>
@@ -3995,38 +4078,27 @@
             <p:ph sz="half" idx="2"/>
           </p:nvPr>
         </p:nvSpPr>
-        <p:spPr/>
-        <p:txBody>
-          <a:bodyPr/>
+        <p:spPr>
+          <a:xfrm>
+            <a:off x="4461447" y="3122868"/>
+            <a:ext cx="4040188" cy="2500886"/>
+          </a:xfrm>
+          <a:effectLst/>
+        </p:spPr>
+        <p:txBody>
+          <a:bodyPr>
+            <a:normAutofit lnSpcReduction="10000"/>
+          </a:bodyPr>
           <a:lstStyle/>
           <a:p>
             <a:pPr marL="0" indent="0">
               <a:buNone/>
             </a:pPr>
             <a:r>
-              <a:rPr lang="en-US" dirty="0" smtClean="0"/>
+              <a:rPr lang="en-US" sz="2800" dirty="0" smtClean="0"/>
               <a:t>We added the capability of identifying whether the price was above of below the product’s image.</a:t>
             </a:r>
-            <a:endParaRPr lang="en-US" dirty="0"/>
-          </a:p>
-        </p:txBody>
-      </p:sp>
-      <p:sp>
-        <p:nvSpPr>
-          <p:cNvPr id="5" name="Text Placeholder 4"/>
-          <p:cNvSpPr>
-            <a:spLocks noGrp="1"/>
-          </p:cNvSpPr>
-          <p:nvPr>
-            <p:ph type="body" sz="quarter" idx="3"/>
-          </p:nvPr>
-        </p:nvSpPr>
-        <p:spPr/>
-        <p:txBody>
-          <a:bodyPr/>
-          <a:lstStyle/>
-          <a:p>
-            <a:endParaRPr lang="en-US"/>
+            <a:endParaRPr lang="en-US" sz="2800" dirty="0"/>
           </a:p>
         </p:txBody>
       </p:sp>
@@ -4040,7 +4112,7 @@
             <p:ph sz="quarter" idx="4"/>
           </p:nvPr>
         </p:nvPicPr>
-        <p:blipFill>
+        <p:blipFill rotWithShape="1">
           <a:blip r:embed="rId2">
             <a:extLst>
               <a:ext uri="{28A0092B-C50C-407E-A947-70E740481C1C}">
@@ -4048,15 +4120,30 @@
               </a:ext>
             </a:extLst>
           </a:blip>
-          <a:stretch>
-            <a:fillRect/>
-          </a:stretch>
+          <a:srcRect l="10" r="10" b="606"/>
+          <a:stretch/>
         </p:blipFill>
         <p:spPr>
           <a:xfrm>
-            <a:off x="5332412" y="2235994"/>
-            <a:ext cx="2667000" cy="3829050"/>
+            <a:off x="731838" y="1600200"/>
+            <a:ext cx="3025775" cy="4318636"/>
           </a:xfrm>
+          <a:prstGeom prst="roundRect">
+            <a:avLst>
+              <a:gd name="adj" fmla="val 8594"/>
+            </a:avLst>
+          </a:prstGeom>
+          <a:solidFill>
+            <a:srgbClr val="FFFFFF">
+              <a:shade val="85000"/>
+            </a:srgbClr>
+          </a:solidFill>
+          <a:ln>
+            <a:noFill/>
+          </a:ln>
+          <a:effectLst>
+            <a:reflection blurRad="12700" stA="38000" endPos="28000" dist="5000" dir="5400000" sy="-100000" algn="bl" rotWithShape="0"/>
+          </a:effectLst>
         </p:spPr>
       </p:pic>
     </p:spTree>
@@ -4069,6 +4156,13 @@
   <p:clrMapOvr>
     <a:masterClrMapping/>
   </p:clrMapOvr>
+  <p:timing>
+    <p:tnLst>
+      <p:par>
+        <p:cTn xmlns:p14="http://schemas.microsoft.com/office/powerpoint/2010/main" id="1" dur="indefinite" restart="never" nodeType="tmRoot"/>
+      </p:par>
+    </p:tnLst>
+  </p:timing>
 </p:sld>
 </file>
 
